--- a/blog_resource/_posts/变分自编码器(Variational AutoEncoder)/vae.pptx
+++ b/blog_resource/_posts/变分自编码器(Variational AutoEncoder)/vae.pptx
@@ -104,6 +104,11 @@
       </a:defRPr>
     </a:lvl9pPr>
   </p:defaultTextStyle>
+  <p:extLst>
+    <p:ext uri="{EFAFB233-063F-42B5-8137-9DF3F51BA10A}">
+      <p15:sldGuideLst xmlns:p15="http://schemas.microsoft.com/office/powerpoint/2012/main"/>
+    </p:ext>
+  </p:extLst>
 </p:presentation>
 </file>
 
@@ -4682,8 +4687,8 @@
             </p:txBody>
           </p:sp>
         </p:grpSp>
-        <mc:AlternateContent xmlns:mc="http://schemas.openxmlformats.org/markup-compatibility/2006">
-          <mc:Choice xmlns:a14="http://schemas.microsoft.com/office/drawing/2010/main" Requires="a14">
+        <mc:AlternateContent xmlns:mc="http://schemas.openxmlformats.org/markup-compatibility/2006" xmlns:a14="http://schemas.microsoft.com/office/drawing/2010/main">
+          <mc:Choice Requires="a14">
             <p:sp>
               <p:nvSpPr>
                 <p:cNvPr id="47" name="文本框 46">
@@ -4740,7 +4745,7 @@
               </p:txBody>
             </p:sp>
           </mc:Choice>
-          <mc:Fallback>
+          <mc:Fallback xmlns="">
             <p:sp>
               <p:nvSpPr>
                 <p:cNvPr id="47" name="文本框 46">
@@ -4785,8 +4790,8 @@
             </p:sp>
           </mc:Fallback>
         </mc:AlternateContent>
-        <mc:AlternateContent xmlns:mc="http://schemas.openxmlformats.org/markup-compatibility/2006">
-          <mc:Choice xmlns:a14="http://schemas.microsoft.com/office/drawing/2010/main" Requires="a14">
+        <mc:AlternateContent xmlns:mc="http://schemas.openxmlformats.org/markup-compatibility/2006" xmlns:a14="http://schemas.microsoft.com/office/drawing/2010/main">
+          <mc:Choice Requires="a14">
             <p:sp>
               <p:nvSpPr>
                 <p:cNvPr id="48" name="文本框 47">
@@ -4843,7 +4848,7 @@
               </p:txBody>
             </p:sp>
           </mc:Choice>
-          <mc:Fallback>
+          <mc:Fallback xmlns="">
             <p:sp>
               <p:nvSpPr>
                 <p:cNvPr id="48" name="文本框 47">
@@ -4888,8 +4893,8 @@
             </p:sp>
           </mc:Fallback>
         </mc:AlternateContent>
-        <mc:AlternateContent xmlns:mc="http://schemas.openxmlformats.org/markup-compatibility/2006">
-          <mc:Choice xmlns:a14="http://schemas.microsoft.com/office/drawing/2010/main" Requires="a14">
+        <mc:AlternateContent xmlns:mc="http://schemas.openxmlformats.org/markup-compatibility/2006" xmlns:a14="http://schemas.microsoft.com/office/drawing/2010/main">
+          <mc:Choice Requires="a14">
             <p:sp>
               <p:nvSpPr>
                 <p:cNvPr id="49" name="文本框 48">
@@ -4994,7 +4999,7 @@
               </p:txBody>
             </p:sp>
           </mc:Choice>
-          <mc:Fallback>
+          <mc:Fallback xmlns="">
             <p:sp>
               <p:nvSpPr>
                 <p:cNvPr id="49" name="文本框 48">
@@ -5039,8 +5044,8 @@
             </p:sp>
           </mc:Fallback>
         </mc:AlternateContent>
-        <mc:AlternateContent xmlns:mc="http://schemas.openxmlformats.org/markup-compatibility/2006">
-          <mc:Choice xmlns:a14="http://schemas.microsoft.com/office/drawing/2010/main" Requires="a14">
+        <mc:AlternateContent xmlns:mc="http://schemas.openxmlformats.org/markup-compatibility/2006" xmlns:a14="http://schemas.microsoft.com/office/drawing/2010/main">
+          <mc:Choice Requires="a14">
             <p:sp>
               <p:nvSpPr>
                 <p:cNvPr id="50" name="文本框 49">
@@ -5145,7 +5150,7 @@
               </p:txBody>
             </p:sp>
           </mc:Choice>
-          <mc:Fallback>
+          <mc:Fallback xmlns="">
             <p:sp>
               <p:nvSpPr>
                 <p:cNvPr id="50" name="文本框 49">
@@ -5190,8 +5195,8 @@
             </p:sp>
           </mc:Fallback>
         </mc:AlternateContent>
-        <mc:AlternateContent xmlns:mc="http://schemas.openxmlformats.org/markup-compatibility/2006">
-          <mc:Choice xmlns:a14="http://schemas.microsoft.com/office/drawing/2010/main" Requires="a14">
+        <mc:AlternateContent xmlns:mc="http://schemas.openxmlformats.org/markup-compatibility/2006" xmlns:a14="http://schemas.microsoft.com/office/drawing/2010/main">
+          <mc:Choice Requires="a14">
             <p:sp>
               <p:nvSpPr>
                 <p:cNvPr id="51" name="文本框 50">
@@ -5257,7 +5262,7 @@
               </p:txBody>
             </p:sp>
           </mc:Choice>
-          <mc:Fallback>
+          <mc:Fallback xmlns="">
             <p:sp>
               <p:nvSpPr>
                 <p:cNvPr id="51" name="文本框 50">
@@ -7888,8 +7893,8 @@
             </p:txBody>
           </p:sp>
         </p:grpSp>
-        <mc:AlternateContent xmlns:mc="http://schemas.openxmlformats.org/markup-compatibility/2006">
-          <mc:Choice xmlns:a14="http://schemas.microsoft.com/office/drawing/2010/main" Requires="a14">
+        <mc:AlternateContent xmlns:mc="http://schemas.openxmlformats.org/markup-compatibility/2006" xmlns:a14="http://schemas.microsoft.com/office/drawing/2010/main">
+          <mc:Choice Requires="a14">
             <p:sp>
               <p:nvSpPr>
                 <p:cNvPr id="104" name="文本框 103">
@@ -7946,7 +7951,7 @@
               </p:txBody>
             </p:sp>
           </mc:Choice>
-          <mc:Fallback>
+          <mc:Fallback xmlns="">
             <p:sp>
               <p:nvSpPr>
                 <p:cNvPr id="104" name="文本框 103">
@@ -7991,8 +7996,8 @@
             </p:sp>
           </mc:Fallback>
         </mc:AlternateContent>
-        <mc:AlternateContent xmlns:mc="http://schemas.openxmlformats.org/markup-compatibility/2006">
-          <mc:Choice xmlns:a14="http://schemas.microsoft.com/office/drawing/2010/main" Requires="a14">
+        <mc:AlternateContent xmlns:mc="http://schemas.openxmlformats.org/markup-compatibility/2006" xmlns:a14="http://schemas.microsoft.com/office/drawing/2010/main">
+          <mc:Choice Requires="a14">
             <p:sp>
               <p:nvSpPr>
                 <p:cNvPr id="105" name="文本框 104">
@@ -8049,7 +8054,7 @@
               </p:txBody>
             </p:sp>
           </mc:Choice>
-          <mc:Fallback>
+          <mc:Fallback xmlns="">
             <p:sp>
               <p:nvSpPr>
                 <p:cNvPr id="105" name="文本框 104">
@@ -8094,8 +8099,8 @@
             </p:sp>
           </mc:Fallback>
         </mc:AlternateContent>
-        <mc:AlternateContent xmlns:mc="http://schemas.openxmlformats.org/markup-compatibility/2006">
-          <mc:Choice xmlns:a14="http://schemas.microsoft.com/office/drawing/2010/main" Requires="a14">
+        <mc:AlternateContent xmlns:mc="http://schemas.openxmlformats.org/markup-compatibility/2006" xmlns:a14="http://schemas.microsoft.com/office/drawing/2010/main">
+          <mc:Choice Requires="a14">
             <p:sp>
               <p:nvSpPr>
                 <p:cNvPr id="106" name="文本框 105">
@@ -8200,7 +8205,7 @@
               </p:txBody>
             </p:sp>
           </mc:Choice>
-          <mc:Fallback>
+          <mc:Fallback xmlns="">
             <p:sp>
               <p:nvSpPr>
                 <p:cNvPr id="106" name="文本框 105">
@@ -8245,8 +8250,8 @@
             </p:sp>
           </mc:Fallback>
         </mc:AlternateContent>
-        <mc:AlternateContent xmlns:mc="http://schemas.openxmlformats.org/markup-compatibility/2006">
-          <mc:Choice xmlns:a14="http://schemas.microsoft.com/office/drawing/2010/main" Requires="a14">
+        <mc:AlternateContent xmlns:mc="http://schemas.openxmlformats.org/markup-compatibility/2006" xmlns:a14="http://schemas.microsoft.com/office/drawing/2010/main">
+          <mc:Choice Requires="a14">
             <p:sp>
               <p:nvSpPr>
                 <p:cNvPr id="107" name="文本框 106">
@@ -8351,7 +8356,7 @@
               </p:txBody>
             </p:sp>
           </mc:Choice>
-          <mc:Fallback>
+          <mc:Fallback xmlns="">
             <p:sp>
               <p:nvSpPr>
                 <p:cNvPr id="107" name="文本框 106">
@@ -8396,8 +8401,8 @@
             </p:sp>
           </mc:Fallback>
         </mc:AlternateContent>
-        <mc:AlternateContent xmlns:mc="http://schemas.openxmlformats.org/markup-compatibility/2006">
-          <mc:Choice xmlns:a14="http://schemas.microsoft.com/office/drawing/2010/main" Requires="a14">
+        <mc:AlternateContent xmlns:mc="http://schemas.openxmlformats.org/markup-compatibility/2006" xmlns:a14="http://schemas.microsoft.com/office/drawing/2010/main">
+          <mc:Choice Requires="a14">
             <p:sp>
               <p:nvSpPr>
                 <p:cNvPr id="108" name="文本框 107">
@@ -8463,7 +8468,7 @@
               </p:txBody>
             </p:sp>
           </mc:Choice>
-          <mc:Fallback>
+          <mc:Fallback xmlns="">
             <p:sp>
               <p:nvSpPr>
                 <p:cNvPr id="108" name="文本框 107">
@@ -10040,8 +10045,8 @@
             </a:p>
           </p:txBody>
         </p:sp>
-        <mc:AlternateContent xmlns:mc="http://schemas.openxmlformats.org/markup-compatibility/2006">
-          <mc:Choice xmlns:a14="http://schemas.microsoft.com/office/drawing/2010/main" Requires="a14">
+        <mc:AlternateContent xmlns:mc="http://schemas.openxmlformats.org/markup-compatibility/2006" xmlns:a14="http://schemas.microsoft.com/office/drawing/2010/main">
+          <mc:Choice Requires="a14">
             <p:sp>
               <p:nvSpPr>
                 <p:cNvPr id="185" name="文本框 184">
@@ -10098,7 +10103,7 @@
               </p:txBody>
             </p:sp>
           </mc:Choice>
-          <mc:Fallback>
+          <mc:Fallback xmlns="">
             <p:sp>
               <p:nvSpPr>
                 <p:cNvPr id="185" name="文本框 184">
@@ -10143,8 +10148,8 @@
             </p:sp>
           </mc:Fallback>
         </mc:AlternateContent>
-        <mc:AlternateContent xmlns:mc="http://schemas.openxmlformats.org/markup-compatibility/2006">
-          <mc:Choice xmlns:a14="http://schemas.microsoft.com/office/drawing/2010/main" Requires="a14">
+        <mc:AlternateContent xmlns:mc="http://schemas.openxmlformats.org/markup-compatibility/2006" xmlns:a14="http://schemas.microsoft.com/office/drawing/2010/main">
+          <mc:Choice Requires="a14">
             <p:sp>
               <p:nvSpPr>
                 <p:cNvPr id="186" name="文本框 185">
@@ -10276,7 +10281,7 @@
               </p:txBody>
             </p:sp>
           </mc:Choice>
-          <mc:Fallback>
+          <mc:Fallback xmlns="">
             <p:sp>
               <p:nvSpPr>
                 <p:cNvPr id="186" name="文本框 185">
@@ -10321,8 +10326,8 @@
             </p:sp>
           </mc:Fallback>
         </mc:AlternateContent>
-        <mc:AlternateContent xmlns:mc="http://schemas.openxmlformats.org/markup-compatibility/2006">
-          <mc:Choice xmlns:a14="http://schemas.microsoft.com/office/drawing/2010/main" Requires="a14">
+        <mc:AlternateContent xmlns:mc="http://schemas.openxmlformats.org/markup-compatibility/2006" xmlns:a14="http://schemas.microsoft.com/office/drawing/2010/main">
+          <mc:Choice Requires="a14">
             <p:sp>
               <p:nvSpPr>
                 <p:cNvPr id="187" name="文本框 186">
@@ -10386,16 +10391,7 @@
                                 </a:solidFill>
                                 <a:latin typeface="Cambria Math" panose="02040503050406030204" pitchFamily="18" charset="0"/>
                               </a:rPr>
-                              <m:t>0</m:t>
-                            </m:r>
-                            <m:r>
-                              <a:rPr lang="en-US" altLang="zh-CN" sz="1400" b="0" i="1" smtClean="0">
-                                <a:solidFill>
-                                  <a:schemeClr val="tx1"/>
-                                </a:solidFill>
-                                <a:latin typeface="Cambria Math" panose="02040503050406030204" pitchFamily="18" charset="0"/>
-                              </a:rPr>
-                              <m:t>, </m:t>
+                              <m:t>0, </m:t>
                             </m:r>
                             <m:r>
                               <a:rPr lang="en-US" altLang="zh-CN" sz="1400" b="0" i="1" smtClean="0">
@@ -10420,7 +10416,7 @@
               </p:txBody>
             </p:sp>
           </mc:Choice>
-          <mc:Fallback>
+          <mc:Fallback xmlns="">
             <p:sp>
               <p:nvSpPr>
                 <p:cNvPr id="187" name="文本框 186">
@@ -10574,8 +10570,8 @@
             <a:chExt cx="6985215" cy="2108750"/>
           </a:xfrm>
         </p:grpSpPr>
-        <mc:AlternateContent xmlns:mc="http://schemas.openxmlformats.org/markup-compatibility/2006">
-          <mc:Choice xmlns:a14="http://schemas.microsoft.com/office/drawing/2010/main" Requires="a14">
+        <mc:AlternateContent xmlns:mc="http://schemas.openxmlformats.org/markup-compatibility/2006" xmlns:a14="http://schemas.microsoft.com/office/drawing/2010/main">
+          <mc:Choice Requires="a14">
             <p:sp>
               <p:nvSpPr>
                 <p:cNvPr id="1031" name="文本框 1030">
@@ -10671,7 +10667,7 @@
               </p:txBody>
             </p:sp>
           </mc:Choice>
-          <mc:Fallback>
+          <mc:Fallback xmlns="">
             <p:sp>
               <p:nvSpPr>
                 <p:cNvPr id="1031" name="文本框 1030">
@@ -10716,8 +10712,8 @@
             </p:sp>
           </mc:Fallback>
         </mc:AlternateContent>
-        <mc:AlternateContent xmlns:mc="http://schemas.openxmlformats.org/markup-compatibility/2006">
-          <mc:Choice xmlns:a14="http://schemas.microsoft.com/office/drawing/2010/main" Requires="a14">
+        <mc:AlternateContent xmlns:mc="http://schemas.openxmlformats.org/markup-compatibility/2006" xmlns:a14="http://schemas.microsoft.com/office/drawing/2010/main">
+          <mc:Choice Requires="a14">
             <p:sp>
               <p:nvSpPr>
                 <p:cNvPr id="1032" name="文本框 1031">
@@ -10813,7 +10809,7 @@
               </p:txBody>
             </p:sp>
           </mc:Choice>
-          <mc:Fallback>
+          <mc:Fallback xmlns="">
             <p:sp>
               <p:nvSpPr>
                 <p:cNvPr id="1032" name="文本框 1031">
@@ -10858,8 +10854,8 @@
             </p:sp>
           </mc:Fallback>
         </mc:AlternateContent>
-        <mc:AlternateContent xmlns:mc="http://schemas.openxmlformats.org/markup-compatibility/2006">
-          <mc:Choice xmlns:a14="http://schemas.microsoft.com/office/drawing/2010/main" Requires="a14">
+        <mc:AlternateContent xmlns:mc="http://schemas.openxmlformats.org/markup-compatibility/2006" xmlns:a14="http://schemas.microsoft.com/office/drawing/2010/main">
+          <mc:Choice Requires="a14">
             <p:sp>
               <p:nvSpPr>
                 <p:cNvPr id="1035" name="文本框 1034">
@@ -10980,7 +10976,7 @@
               </p:txBody>
             </p:sp>
           </mc:Choice>
-          <mc:Fallback>
+          <mc:Fallback xmlns="">
             <p:sp>
               <p:nvSpPr>
                 <p:cNvPr id="1035" name="文本框 1034">
@@ -12333,8 +12329,8 @@
             </a:p>
           </p:txBody>
         </p:sp>
-        <mc:AlternateContent xmlns:mc="http://schemas.openxmlformats.org/markup-compatibility/2006">
-          <mc:Choice xmlns:a14="http://schemas.microsoft.com/office/drawing/2010/main" Requires="a14">
+        <mc:AlternateContent xmlns:mc="http://schemas.openxmlformats.org/markup-compatibility/2006" xmlns:a14="http://schemas.microsoft.com/office/drawing/2010/main">
+          <mc:Choice Requires="a14">
             <p:sp>
               <p:nvSpPr>
                 <p:cNvPr id="1060" name="文本框 1059">
@@ -12391,7 +12387,7 @@
               </p:txBody>
             </p:sp>
           </mc:Choice>
-          <mc:Fallback>
+          <mc:Fallback xmlns="">
             <p:sp>
               <p:nvSpPr>
                 <p:cNvPr id="1060" name="文本框 1059">
@@ -12436,8 +12432,8 @@
             </p:sp>
           </mc:Fallback>
         </mc:AlternateContent>
-        <mc:AlternateContent xmlns:mc="http://schemas.openxmlformats.org/markup-compatibility/2006">
-          <mc:Choice xmlns:a14="http://schemas.microsoft.com/office/drawing/2010/main" Requires="a14">
+        <mc:AlternateContent xmlns:mc="http://schemas.openxmlformats.org/markup-compatibility/2006" xmlns:a14="http://schemas.microsoft.com/office/drawing/2010/main">
+          <mc:Choice Requires="a14">
             <p:sp>
               <p:nvSpPr>
                 <p:cNvPr id="1061" name="文本框 1060">
@@ -12647,7 +12643,7 @@
               </p:txBody>
             </p:sp>
           </mc:Choice>
-          <mc:Fallback>
+          <mc:Fallback xmlns="">
             <p:sp>
               <p:nvSpPr>
                 <p:cNvPr id="1061" name="文本框 1060">
@@ -12692,8 +12688,8 @@
             </p:sp>
           </mc:Fallback>
         </mc:AlternateContent>
-        <mc:AlternateContent xmlns:mc="http://schemas.openxmlformats.org/markup-compatibility/2006">
-          <mc:Choice xmlns:a14="http://schemas.microsoft.com/office/drawing/2010/main" Requires="a14">
+        <mc:AlternateContent xmlns:mc="http://schemas.openxmlformats.org/markup-compatibility/2006" xmlns:a14="http://schemas.microsoft.com/office/drawing/2010/main">
+          <mc:Choice Requires="a14">
             <p:sp>
               <p:nvSpPr>
                 <p:cNvPr id="1062" name="文本框 1061">
@@ -12757,16 +12753,7 @@
                                 </a:solidFill>
                                 <a:latin typeface="Cambria Math" panose="02040503050406030204" pitchFamily="18" charset="0"/>
                               </a:rPr>
-                              <m:t>0</m:t>
-                            </m:r>
-                            <m:r>
-                              <a:rPr lang="en-US" altLang="zh-CN" sz="1400" b="0" i="1" smtClean="0">
-                                <a:solidFill>
-                                  <a:schemeClr val="tx1"/>
-                                </a:solidFill>
-                                <a:latin typeface="Cambria Math" panose="02040503050406030204" pitchFamily="18" charset="0"/>
-                              </a:rPr>
-                              <m:t>, </m:t>
+                              <m:t>0, </m:t>
                             </m:r>
                             <m:r>
                               <a:rPr lang="en-US" altLang="zh-CN" sz="1400" b="0" i="1" smtClean="0">
@@ -12791,7 +12778,7 @@
               </p:txBody>
             </p:sp>
           </mc:Choice>
-          <mc:Fallback>
+          <mc:Fallback xmlns="">
             <p:sp>
               <p:nvSpPr>
                 <p:cNvPr id="1062" name="文本框 1061">
@@ -12995,8 +12982,8 @@
             </a:fontRef>
           </p:style>
         </p:cxnSp>
-        <mc:AlternateContent xmlns:mc="http://schemas.openxmlformats.org/markup-compatibility/2006">
-          <mc:Choice xmlns:a14="http://schemas.microsoft.com/office/drawing/2010/main" Requires="a14">
+        <mc:AlternateContent xmlns:mc="http://schemas.openxmlformats.org/markup-compatibility/2006" xmlns:a14="http://schemas.microsoft.com/office/drawing/2010/main">
+          <mc:Choice Requires="a14">
             <p:sp>
               <p:nvSpPr>
                 <p:cNvPr id="1099" name="文本框 1098">
@@ -13092,7 +13079,7 @@
               </p:txBody>
             </p:sp>
           </mc:Choice>
-          <mc:Fallback>
+          <mc:Fallback xmlns="">
             <p:sp>
               <p:nvSpPr>
                 <p:cNvPr id="1099" name="文本框 1098">
@@ -13137,8 +13124,8 @@
             </p:sp>
           </mc:Fallback>
         </mc:AlternateContent>
-        <mc:AlternateContent xmlns:mc="http://schemas.openxmlformats.org/markup-compatibility/2006">
-          <mc:Choice xmlns:a14="http://schemas.microsoft.com/office/drawing/2010/main" Requires="a14">
+        <mc:AlternateContent xmlns:mc="http://schemas.openxmlformats.org/markup-compatibility/2006" xmlns:a14="http://schemas.microsoft.com/office/drawing/2010/main">
+          <mc:Choice Requires="a14">
             <p:sp>
               <p:nvSpPr>
                 <p:cNvPr id="1100" name="文本框 1099">
@@ -13259,7 +13246,7 @@
               </p:txBody>
             </p:sp>
           </mc:Choice>
-          <mc:Fallback>
+          <mc:Fallback xmlns="">
             <p:sp>
               <p:nvSpPr>
                 <p:cNvPr id="1100" name="文本框 1099">
@@ -13623,8 +13610,8 @@
             </a:fontRef>
           </p:style>
         </p:cxnSp>
-        <mc:AlternateContent xmlns:mc="http://schemas.openxmlformats.org/markup-compatibility/2006">
-          <mc:Choice xmlns:a14="http://schemas.microsoft.com/office/drawing/2010/main" Requires="a14">
+        <mc:AlternateContent xmlns:mc="http://schemas.openxmlformats.org/markup-compatibility/2006" xmlns:a14="http://schemas.microsoft.com/office/drawing/2010/main">
+          <mc:Choice Requires="a14">
             <p:sp>
               <p:nvSpPr>
                 <p:cNvPr id="1111" name="文本框 1110">
@@ -13729,7 +13716,7 @@
               </p:txBody>
             </p:sp>
           </mc:Choice>
-          <mc:Fallback>
+          <mc:Fallback xmlns="">
             <p:sp>
               <p:nvSpPr>
                 <p:cNvPr id="1111" name="文本框 1110">
@@ -13774,8 +13761,8 @@
             </p:sp>
           </mc:Fallback>
         </mc:AlternateContent>
-        <mc:AlternateContent xmlns:mc="http://schemas.openxmlformats.org/markup-compatibility/2006">
-          <mc:Choice xmlns:a14="http://schemas.microsoft.com/office/drawing/2010/main" Requires="a14">
+        <mc:AlternateContent xmlns:mc="http://schemas.openxmlformats.org/markup-compatibility/2006" xmlns:a14="http://schemas.microsoft.com/office/drawing/2010/main">
+          <mc:Choice Requires="a14">
             <p:sp>
               <p:nvSpPr>
                 <p:cNvPr id="1112" name="文本框 1111">
@@ -13880,7 +13867,7 @@
               </p:txBody>
             </p:sp>
           </mc:Choice>
-          <mc:Fallback>
+          <mc:Fallback xmlns="">
             <p:sp>
               <p:nvSpPr>
                 <p:cNvPr id="1112" name="文本框 1111">
@@ -13939,8 +13926,8 @@
           </p:nvSpPr>
           <p:spPr>
             <a:xfrm>
-              <a:off x="8602727" y="3675155"/>
-              <a:ext cx="588623" cy="253916"/>
+              <a:off x="8264280" y="3675155"/>
+              <a:ext cx="1127232" cy="253916"/>
             </a:xfrm>
             <a:prstGeom prst="rect">
               <a:avLst/>
@@ -13958,7 +13945,7 @@
                   <a:latin typeface="宋体" panose="02010600030101010101" pitchFamily="2" charset="-122"/>
                   <a:ea typeface="宋体" panose="02010600030101010101" pitchFamily="2" charset="-122"/>
                 </a:rPr>
-                <a:t>重采样</a:t>
+                <a:t>重参数技巧采样</a:t>
               </a:r>
             </a:p>
           </p:txBody>
@@ -14199,8 +14186,8 @@
               </p:style>
             </p:cxnSp>
           </p:grpSp>
-          <mc:AlternateContent xmlns:mc="http://schemas.openxmlformats.org/markup-compatibility/2006">
-            <mc:Choice xmlns:a14="http://schemas.microsoft.com/office/drawing/2010/main" Requires="a14">
+          <mc:AlternateContent xmlns:mc="http://schemas.openxmlformats.org/markup-compatibility/2006" xmlns:a14="http://schemas.microsoft.com/office/drawing/2010/main">
+            <mc:Choice Requires="a14">
               <p:sp>
                 <p:nvSpPr>
                   <p:cNvPr id="1189" name="文本框 1188">
@@ -14296,7 +14283,7 @@
                 </p:txBody>
               </p:sp>
             </mc:Choice>
-            <mc:Fallback>
+            <mc:Fallback xmlns="">
               <p:sp>
                 <p:nvSpPr>
                   <p:cNvPr id="1189" name="文本框 1188">
@@ -14341,8 +14328,8 @@
               </p:sp>
             </mc:Fallback>
           </mc:AlternateContent>
-          <mc:AlternateContent xmlns:mc="http://schemas.openxmlformats.org/markup-compatibility/2006">
-            <mc:Choice xmlns:a14="http://schemas.microsoft.com/office/drawing/2010/main" Requires="a14">
+          <mc:AlternateContent xmlns:mc="http://schemas.openxmlformats.org/markup-compatibility/2006" xmlns:a14="http://schemas.microsoft.com/office/drawing/2010/main">
+            <mc:Choice Requires="a14">
               <p:sp>
                 <p:nvSpPr>
                   <p:cNvPr id="1190" name="文本框 1189">
@@ -14463,7 +14450,7 @@
                 </p:txBody>
               </p:sp>
             </mc:Choice>
-            <mc:Fallback>
+            <mc:Fallback xmlns="">
               <p:sp>
                 <p:nvSpPr>
                   <p:cNvPr id="1190" name="文本框 1189">
@@ -14508,8 +14495,8 @@
               </p:sp>
             </mc:Fallback>
           </mc:AlternateContent>
-          <mc:AlternateContent xmlns:mc="http://schemas.openxmlformats.org/markup-compatibility/2006">
-            <mc:Choice xmlns:a14="http://schemas.microsoft.com/office/drawing/2010/main" Requires="a14">
+          <mc:AlternateContent xmlns:mc="http://schemas.openxmlformats.org/markup-compatibility/2006" xmlns:a14="http://schemas.microsoft.com/office/drawing/2010/main">
+            <mc:Choice Requires="a14">
               <p:sp>
                 <p:nvSpPr>
                   <p:cNvPr id="1191" name="文本框 1190">
@@ -14605,7 +14592,7 @@
                 </p:txBody>
               </p:sp>
             </mc:Choice>
-            <mc:Fallback>
+            <mc:Fallback xmlns="">
               <p:sp>
                 <p:nvSpPr>
                   <p:cNvPr id="1191" name="文本框 1190">
@@ -15038,8 +15025,8 @@
               </a:p>
             </p:txBody>
           </p:sp>
-          <mc:AlternateContent xmlns:mc="http://schemas.openxmlformats.org/markup-compatibility/2006">
-            <mc:Choice xmlns:a14="http://schemas.microsoft.com/office/drawing/2010/main" Requires="a14">
+          <mc:AlternateContent xmlns:mc="http://schemas.openxmlformats.org/markup-compatibility/2006" xmlns:a14="http://schemas.microsoft.com/office/drawing/2010/main">
+            <mc:Choice Requires="a14">
               <p:sp>
                 <p:nvSpPr>
                   <p:cNvPr id="1199" name="文本框 1198">
@@ -15103,16 +15090,7 @@
                                   </a:solidFill>
                                   <a:latin typeface="Cambria Math" panose="02040503050406030204" pitchFamily="18" charset="0"/>
                                 </a:rPr>
-                                <m:t>0</m:t>
-                              </m:r>
-                              <m:r>
-                                <a:rPr lang="en-US" altLang="zh-CN" sz="600" b="0" i="1" smtClean="0">
-                                  <a:solidFill>
-                                    <a:schemeClr val="tx1"/>
-                                  </a:solidFill>
-                                  <a:latin typeface="Cambria Math" panose="02040503050406030204" pitchFamily="18" charset="0"/>
-                                </a:rPr>
-                                <m:t>, </m:t>
+                                <m:t>0, </m:t>
                               </m:r>
                               <m:r>
                                 <a:rPr lang="en-US" altLang="zh-CN" sz="600" b="0" i="1" smtClean="0">
@@ -15137,7 +15115,7 @@
                 </p:txBody>
               </p:sp>
             </mc:Choice>
-            <mc:Fallback>
+            <mc:Fallback xmlns="">
               <p:sp>
                 <p:nvSpPr>
                   <p:cNvPr id="1199" name="文本框 1198">
@@ -15182,8 +15160,8 @@
               </p:sp>
             </mc:Fallback>
           </mc:AlternateContent>
-          <mc:AlternateContent xmlns:mc="http://schemas.openxmlformats.org/markup-compatibility/2006">
-            <mc:Choice xmlns:a14="http://schemas.microsoft.com/office/drawing/2010/main" Requires="a14">
+          <mc:AlternateContent xmlns:mc="http://schemas.openxmlformats.org/markup-compatibility/2006" xmlns:a14="http://schemas.microsoft.com/office/drawing/2010/main">
+            <mc:Choice Requires="a14">
               <p:sp>
                 <p:nvSpPr>
                   <p:cNvPr id="1200" name="文本框 1199">
@@ -15240,7 +15218,7 @@
                 </p:txBody>
               </p:sp>
             </mc:Choice>
-            <mc:Fallback>
+            <mc:Fallback xmlns="">
               <p:sp>
                 <p:nvSpPr>
                   <p:cNvPr id="1200" name="文本框 1199">
@@ -15582,9 +15560,9 @@
         <p:grpSpPr>
           <a:xfrm>
             <a:off x="212047" y="4089989"/>
-            <a:ext cx="4475600" cy="1702844"/>
+            <a:ext cx="4677579" cy="1702844"/>
             <a:chOff x="443931" y="4535944"/>
-            <a:chExt cx="4475600" cy="1702844"/>
+            <a:chExt cx="4677579" cy="1702844"/>
           </a:xfrm>
         </p:grpSpPr>
         <p:grpSp>
@@ -15816,8 +15794,8 @@
               </p:style>
             </p:cxnSp>
           </p:grpSp>
-          <mc:AlternateContent xmlns:mc="http://schemas.openxmlformats.org/markup-compatibility/2006">
-            <mc:Choice xmlns:a14="http://schemas.microsoft.com/office/drawing/2010/main" Requires="a14">
+          <mc:AlternateContent xmlns:mc="http://schemas.openxmlformats.org/markup-compatibility/2006" xmlns:a14="http://schemas.microsoft.com/office/drawing/2010/main">
+            <mc:Choice Requires="a14">
               <p:sp>
                 <p:nvSpPr>
                   <p:cNvPr id="1119" name="文本框 1118">
@@ -15913,7 +15891,7 @@
                 </p:txBody>
               </p:sp>
             </mc:Choice>
-            <mc:Fallback>
+            <mc:Fallback xmlns="">
               <p:sp>
                 <p:nvSpPr>
                   <p:cNvPr id="1119" name="文本框 1118">
@@ -15958,8 +15936,8 @@
               </p:sp>
             </mc:Fallback>
           </mc:AlternateContent>
-          <mc:AlternateContent xmlns:mc="http://schemas.openxmlformats.org/markup-compatibility/2006">
-            <mc:Choice xmlns:a14="http://schemas.microsoft.com/office/drawing/2010/main" Requires="a14">
+          <mc:AlternateContent xmlns:mc="http://schemas.openxmlformats.org/markup-compatibility/2006" xmlns:a14="http://schemas.microsoft.com/office/drawing/2010/main">
+            <mc:Choice Requires="a14">
               <p:sp>
                 <p:nvSpPr>
                   <p:cNvPr id="1120" name="文本框 1119">
@@ -16080,7 +16058,7 @@
                 </p:txBody>
               </p:sp>
             </mc:Choice>
-            <mc:Fallback>
+            <mc:Fallback xmlns="">
               <p:sp>
                 <p:nvSpPr>
                   <p:cNvPr id="1120" name="文本框 1119">
@@ -16125,8 +16103,8 @@
               </p:sp>
             </mc:Fallback>
           </mc:AlternateContent>
-          <mc:AlternateContent xmlns:mc="http://schemas.openxmlformats.org/markup-compatibility/2006">
-            <mc:Choice xmlns:a14="http://schemas.microsoft.com/office/drawing/2010/main" Requires="a14">
+          <mc:AlternateContent xmlns:mc="http://schemas.openxmlformats.org/markup-compatibility/2006" xmlns:a14="http://schemas.microsoft.com/office/drawing/2010/main">
+            <mc:Choice Requires="a14">
               <p:sp>
                 <p:nvSpPr>
                   <p:cNvPr id="1121" name="文本框 1120">
@@ -16222,7 +16200,7 @@
                 </p:txBody>
               </p:sp>
             </mc:Choice>
-            <mc:Fallback>
+            <mc:Fallback xmlns="">
               <p:sp>
                 <p:nvSpPr>
                   <p:cNvPr id="1121" name="文本框 1120">
@@ -16717,8 +16695,8 @@
               </a:p>
             </p:txBody>
           </p:sp>
-          <mc:AlternateContent xmlns:mc="http://schemas.openxmlformats.org/markup-compatibility/2006">
-            <mc:Choice xmlns:a14="http://schemas.microsoft.com/office/drawing/2010/main" Requires="a14">
+          <mc:AlternateContent xmlns:mc="http://schemas.openxmlformats.org/markup-compatibility/2006" xmlns:a14="http://schemas.microsoft.com/office/drawing/2010/main">
+            <mc:Choice Requires="a14">
               <p:sp>
                 <p:nvSpPr>
                   <p:cNvPr id="1167" name="文本框 1166">
@@ -16928,7 +16906,7 @@
                 </p:txBody>
               </p:sp>
             </mc:Choice>
-            <mc:Fallback>
+            <mc:Fallback xmlns="">
               <p:sp>
                 <p:nvSpPr>
                   <p:cNvPr id="1167" name="文本框 1166">
@@ -17203,8 +17181,8 @@
               </p:style>
             </p:cxnSp>
           </p:grpSp>
-          <mc:AlternateContent xmlns:mc="http://schemas.openxmlformats.org/markup-compatibility/2006">
-            <mc:Choice xmlns:a14="http://schemas.microsoft.com/office/drawing/2010/main" Requires="a14">
+          <mc:AlternateContent xmlns:mc="http://schemas.openxmlformats.org/markup-compatibility/2006" xmlns:a14="http://schemas.microsoft.com/office/drawing/2010/main">
+            <mc:Choice Requires="a14">
               <p:sp>
                 <p:nvSpPr>
                   <p:cNvPr id="1156" name="文本框 1155">
@@ -17300,7 +17278,7 @@
                 </p:txBody>
               </p:sp>
             </mc:Choice>
-            <mc:Fallback>
+            <mc:Fallback xmlns="">
               <p:sp>
                 <p:nvSpPr>
                   <p:cNvPr id="1156" name="文本框 1155">
@@ -17345,8 +17323,8 @@
               </p:sp>
             </mc:Fallback>
           </mc:AlternateContent>
-          <mc:AlternateContent xmlns:mc="http://schemas.openxmlformats.org/markup-compatibility/2006">
-            <mc:Choice xmlns:a14="http://schemas.microsoft.com/office/drawing/2010/main" Requires="a14">
+          <mc:AlternateContent xmlns:mc="http://schemas.openxmlformats.org/markup-compatibility/2006" xmlns:a14="http://schemas.microsoft.com/office/drawing/2010/main">
+            <mc:Choice Requires="a14">
               <p:sp>
                 <p:nvSpPr>
                   <p:cNvPr id="1157" name="文本框 1156">
@@ -17467,7 +17445,7 @@
                 </p:txBody>
               </p:sp>
             </mc:Choice>
-            <mc:Fallback>
+            <mc:Fallback xmlns="">
               <p:sp>
                 <p:nvSpPr>
                   <p:cNvPr id="1157" name="文本框 1156">
@@ -17512,8 +17490,8 @@
               </p:sp>
             </mc:Fallback>
           </mc:AlternateContent>
-          <mc:AlternateContent xmlns:mc="http://schemas.openxmlformats.org/markup-compatibility/2006">
-            <mc:Choice xmlns:a14="http://schemas.microsoft.com/office/drawing/2010/main" Requires="a14">
+          <mc:AlternateContent xmlns:mc="http://schemas.openxmlformats.org/markup-compatibility/2006" xmlns:a14="http://schemas.microsoft.com/office/drawing/2010/main">
+            <mc:Choice Requires="a14">
               <p:sp>
                 <p:nvSpPr>
                   <p:cNvPr id="1158" name="文本框 1157">
@@ -17609,7 +17587,7 @@
                 </p:txBody>
               </p:sp>
             </mc:Choice>
-            <mc:Fallback>
+            <mc:Fallback xmlns="">
               <p:sp>
                 <p:nvSpPr>
                   <p:cNvPr id="1158" name="文本框 1157">
@@ -18042,8 +18020,8 @@
               </a:p>
             </p:txBody>
           </p:sp>
-          <mc:AlternateContent xmlns:mc="http://schemas.openxmlformats.org/markup-compatibility/2006">
-            <mc:Choice xmlns:a14="http://schemas.microsoft.com/office/drawing/2010/main" Requires="a14">
+          <mc:AlternateContent xmlns:mc="http://schemas.openxmlformats.org/markup-compatibility/2006" xmlns:a14="http://schemas.microsoft.com/office/drawing/2010/main">
+            <mc:Choice Requires="a14">
               <p:sp>
                 <p:nvSpPr>
                   <p:cNvPr id="1168" name="文本框 1167">
@@ -18107,16 +18085,7 @@
                                   </a:solidFill>
                                   <a:latin typeface="Cambria Math" panose="02040503050406030204" pitchFamily="18" charset="0"/>
                                 </a:rPr>
-                                <m:t>0</m:t>
-                              </m:r>
-                              <m:r>
-                                <a:rPr lang="en-US" altLang="zh-CN" sz="600" b="0" i="1" smtClean="0">
-                                  <a:solidFill>
-                                    <a:schemeClr val="tx1"/>
-                                  </a:solidFill>
-                                  <a:latin typeface="Cambria Math" panose="02040503050406030204" pitchFamily="18" charset="0"/>
-                                </a:rPr>
-                                <m:t>, </m:t>
+                                <m:t>0, </m:t>
                               </m:r>
                               <m:r>
                                 <a:rPr lang="en-US" altLang="zh-CN" sz="600" b="0" i="1" smtClean="0">
@@ -18141,7 +18110,7 @@
                 </p:txBody>
               </p:sp>
             </mc:Choice>
-            <mc:Fallback>
+            <mc:Fallback xmlns="">
               <p:sp>
                 <p:nvSpPr>
                   <p:cNvPr id="1168" name="文本框 1167">
@@ -18186,8 +18155,8 @@
               </p:sp>
             </mc:Fallback>
           </mc:AlternateContent>
-          <mc:AlternateContent xmlns:mc="http://schemas.openxmlformats.org/markup-compatibility/2006">
-            <mc:Choice xmlns:a14="http://schemas.microsoft.com/office/drawing/2010/main" Requires="a14">
+          <mc:AlternateContent xmlns:mc="http://schemas.openxmlformats.org/markup-compatibility/2006" xmlns:a14="http://schemas.microsoft.com/office/drawing/2010/main">
+            <mc:Choice Requires="a14">
               <p:sp>
                 <p:nvSpPr>
                   <p:cNvPr id="1170" name="文本框 1169">
@@ -18244,7 +18213,7 @@
                 </p:txBody>
               </p:sp>
             </mc:Choice>
-            <mc:Fallback>
+            <mc:Fallback xmlns="">
               <p:sp>
                 <p:nvSpPr>
                   <p:cNvPr id="1170" name="文本框 1169">
@@ -18585,7 +18554,7 @@
           <p:spPr>
             <a:xfrm>
               <a:off x="2243799" y="5984872"/>
-              <a:ext cx="2675732" cy="253916"/>
+              <a:ext cx="2877711" cy="253916"/>
             </a:xfrm>
             <a:prstGeom prst="rect">
               <a:avLst/>
@@ -18603,7 +18572,7 @@
                   <a:latin typeface="宋体" panose="02010600030101010101" pitchFamily="2" charset="-122"/>
                   <a:ea typeface="宋体" panose="02010600030101010101" pitchFamily="2" charset="-122"/>
                 </a:rPr>
-                <a:t>重采样，将采样步骤移除到梯度计算图外</a:t>
+                <a:t>重参数技巧，将采样步骤移除到梯度计算图外</a:t>
               </a:r>
             </a:p>
           </p:txBody>
